--- a/results/CDC Dataset CFs Partial RESULTS.pptx
+++ b/results/CDC Dataset CFs Partial RESULTS.pptx
@@ -816,7 +816,7 @@
       </p:grpSpPr>
       <p:sp>
         <p:nvSpPr>
-          <p:cNvPr id="110" name="Google Shape;110;g2c3d090b0c1_0_455:notes"/>
+          <p:cNvPr id="110" name="Google Shape;110;g2c3d090b0c1_0_721:notes"/>
           <p:cNvSpPr/>
           <p:nvPr>
             <p:ph idx="2" type="sldImg"/>
@@ -851,7 +851,7 @@
       </p:sp>
       <p:sp>
         <p:nvSpPr>
-          <p:cNvPr id="111" name="Google Shape;111;g2c3d090b0c1_0_455:notes"/>
+          <p:cNvPr id="111" name="Google Shape;111;g2c3d090b0c1_0_721:notes"/>
           <p:cNvSpPr txBox="1"/>
           <p:nvPr>
             <p:ph idx="1" type="body"/>
@@ -915,7 +915,7 @@
       </p:grpSpPr>
       <p:sp>
         <p:nvSpPr>
-          <p:cNvPr id="118" name="Google Shape;118;g2c3d090b0c1_0_508:notes"/>
+          <p:cNvPr id="118" name="Google Shape;118;g2c3d090b0c1_0_728:notes"/>
           <p:cNvSpPr/>
           <p:nvPr>
             <p:ph idx="2" type="sldImg"/>
@@ -950,7 +950,7 @@
       </p:sp>
       <p:sp>
         <p:nvSpPr>
-          <p:cNvPr id="119" name="Google Shape;119;g2c3d090b0c1_0_508:notes"/>
+          <p:cNvPr id="119" name="Google Shape;119;g2c3d090b0c1_0_728:notes"/>
           <p:cNvSpPr txBox="1"/>
           <p:nvPr>
             <p:ph idx="1" type="body"/>
@@ -1014,7 +1014,7 @@
       </p:grpSpPr>
       <p:sp>
         <p:nvSpPr>
-          <p:cNvPr id="126" name="Google Shape;126;g2c3d090b0c1_0_721:notes"/>
+          <p:cNvPr id="126" name="Google Shape;126;g2c3d090b0c1_0_455:notes"/>
           <p:cNvSpPr/>
           <p:nvPr>
             <p:ph idx="2" type="sldImg"/>
@@ -1049,7 +1049,7 @@
       </p:sp>
       <p:sp>
         <p:nvSpPr>
-          <p:cNvPr id="127" name="Google Shape;127;g2c3d090b0c1_0_721:notes"/>
+          <p:cNvPr id="127" name="Google Shape;127;g2c3d090b0c1_0_455:notes"/>
           <p:cNvSpPr txBox="1"/>
           <p:nvPr>
             <p:ph idx="1" type="body"/>
@@ -1099,7 +1099,7 @@
   <p:cSld>
     <p:spTree>
       <p:nvGrpSpPr>
-        <p:cNvPr id="133" name="Shape 133"/>
+        <p:cNvPr id="134" name="Shape 134"/>
         <p:cNvGrpSpPr/>
         <p:nvPr/>
       </p:nvGrpSpPr>
@@ -1113,7 +1113,7 @@
       </p:grpSpPr>
       <p:sp>
         <p:nvSpPr>
-          <p:cNvPr id="134" name="Google Shape;134;g2c3d090b0c1_0_728:notes"/>
+          <p:cNvPr id="135" name="Google Shape;135;g2c3d090b0c1_0_508:notes"/>
           <p:cNvSpPr/>
           <p:nvPr>
             <p:ph idx="2" type="sldImg"/>
@@ -1148,7 +1148,7 @@
       </p:sp>
       <p:sp>
         <p:nvSpPr>
-          <p:cNvPr id="135" name="Google Shape;135;g2c3d090b0c1_0_728:notes"/>
+          <p:cNvPr id="136" name="Google Shape;136;g2c3d090b0c1_0_508:notes"/>
           <p:cNvSpPr txBox="1"/>
           <p:nvPr>
             <p:ph idx="1" type="body"/>
@@ -6773,7 +6773,7 @@
         </p:nvSpPr>
         <p:spPr>
           <a:xfrm>
-            <a:off x="311700" y="64025"/>
+            <a:off x="311700" y="140225"/>
             <a:ext cx="8520600" cy="572700"/>
           </a:xfrm>
           <a:prstGeom prst="rect">
@@ -6812,7 +6812,7 @@
         <p:spPr>
           <a:xfrm>
             <a:off x="520750" y="636200"/>
-            <a:ext cx="5317200" cy="310500"/>
+            <a:ext cx="7811100" cy="310500"/>
           </a:xfrm>
           <a:prstGeom prst="rect">
             <a:avLst/>
@@ -6847,7 +6847,7 @@
                   <a:schemeClr val="dk1"/>
                 </a:solidFill>
               </a:rPr>
-              <a:t>1</a:t>
+              <a:t>0</a:t>
             </a:r>
             <a:r>
               <a:rPr lang="en" sz="1800">
@@ -6855,7 +6855,73 @@
                   <a:schemeClr val="dk1"/>
                 </a:solidFill>
               </a:rPr>
-              <a:t> —&gt; 0 CLASS CHANGE </a:t>
+              <a:t> —&gt; 1 ( Abnormal -&gt; Normal ) CLASS CHANGE </a:t>
+            </a:r>
+            <a:endParaRPr sz="1800">
+              <a:solidFill>
+                <a:schemeClr val="dk1"/>
+              </a:solidFill>
+            </a:endParaRPr>
+          </a:p>
+        </p:txBody>
+      </p:sp>
+      <p:sp>
+        <p:nvSpPr>
+          <p:cNvPr id="115" name="Google Shape;115;p22"/>
+          <p:cNvSpPr txBox="1"/>
+          <p:nvPr/>
+        </p:nvSpPr>
+        <p:spPr>
+          <a:xfrm>
+            <a:off x="520750" y="4120275"/>
+            <a:ext cx="8304600" cy="1078200"/>
+          </a:xfrm>
+          <a:prstGeom prst="rect">
+            <a:avLst/>
+          </a:prstGeom>
+          <a:noFill/>
+          <a:ln>
+            <a:noFill/>
+          </a:ln>
+        </p:spPr>
+        <p:txBody>
+          <a:bodyPr anchorCtr="0" anchor="t" bIns="91425" lIns="91425" spcFirstLastPara="1" rIns="91425" wrap="square" tIns="91425">
+            <a:noAutofit/>
+          </a:bodyPr>
+          <a:lstStyle/>
+          <a:p>
+            <a:pPr indent="0" lvl="0" marL="0" rtl="0" algn="l">
+              <a:spcBef>
+                <a:spcPts val="0"/>
+              </a:spcBef>
+              <a:spcAft>
+                <a:spcPts val="0"/>
+              </a:spcAft>
+              <a:buNone/>
+            </a:pPr>
+            <a:r>
+              <a:rPr lang="en" sz="1800">
+                <a:solidFill>
+                  <a:schemeClr val="dk1"/>
+                </a:solidFill>
+              </a:rPr>
+              <a:t>Class changes : </a:t>
+            </a:r>
+            <a:r>
+              <a:rPr lang="en" sz="1800">
+                <a:solidFill>
+                  <a:schemeClr val="dk1"/>
+                </a:solidFill>
+              </a:rPr>
+              <a:t>Presently </a:t>
+            </a:r>
+            <a:r>
+              <a:rPr lang="en" sz="1800">
+                <a:solidFill>
+                  <a:schemeClr val="dk1"/>
+                </a:solidFill>
+              </a:rPr>
+              <a:t>Falling into Class “0” ( Abnormal Conditions ) ,But we want to predict “1” ( No Abnormal Conditions ) . </a:t>
             </a:r>
             <a:endParaRPr sz="1800">
               <a:solidFill>
@@ -6867,7 +6933,7 @@
       </p:sp>
       <p:pic>
         <p:nvPicPr>
-          <p:cNvPr id="115" name="Google Shape;115;p22"/>
+          <p:cNvPr id="116" name="Google Shape;116;p22"/>
           <p:cNvPicPr preferRelativeResize="0"/>
           <p:nvPr/>
         </p:nvPicPr>
@@ -6881,8 +6947,8 @@
         </p:blipFill>
         <p:spPr>
           <a:xfrm>
-            <a:off x="658925" y="1065575"/>
-            <a:ext cx="7828299" cy="3033125"/>
+            <a:off x="639625" y="1178525"/>
+            <a:ext cx="7875025" cy="2941750"/>
           </a:xfrm>
           <a:prstGeom prst="rect">
             <a:avLst/>
@@ -6893,88 +6959,6 @@
           </a:ln>
         </p:spPr>
       </p:pic>
-      <p:sp>
-        <p:nvSpPr>
-          <p:cNvPr id="116" name="Google Shape;116;p22"/>
-          <p:cNvSpPr txBox="1"/>
-          <p:nvPr/>
-        </p:nvSpPr>
-        <p:spPr>
-          <a:xfrm>
-            <a:off x="694325" y="4220575"/>
-            <a:ext cx="7792800" cy="621300"/>
-          </a:xfrm>
-          <a:prstGeom prst="rect">
-            <a:avLst/>
-          </a:prstGeom>
-          <a:noFill/>
-          <a:ln>
-            <a:noFill/>
-          </a:ln>
-        </p:spPr>
-        <p:txBody>
-          <a:bodyPr anchorCtr="0" anchor="t" bIns="91425" lIns="91425" spcFirstLastPara="1" rIns="91425" wrap="square" tIns="91425">
-            <a:noAutofit/>
-          </a:bodyPr>
-          <a:lstStyle/>
-          <a:p>
-            <a:pPr indent="0" lvl="0" marL="0" rtl="0" algn="l">
-              <a:spcBef>
-                <a:spcPts val="0"/>
-              </a:spcBef>
-              <a:spcAft>
-                <a:spcPts val="0"/>
-              </a:spcAft>
-              <a:buNone/>
-            </a:pPr>
-            <a:r>
-              <a:rPr lang="en" sz="1800">
-                <a:solidFill>
-                  <a:schemeClr val="dk1"/>
-                </a:solidFill>
-              </a:rPr>
-              <a:t>Class </a:t>
-            </a:r>
-            <a:r>
-              <a:rPr lang="en" sz="1800">
-                <a:solidFill>
-                  <a:schemeClr val="dk1"/>
-                </a:solidFill>
-              </a:rPr>
-              <a:t>changes : “0” : Abnormal Conditions , </a:t>
-            </a:r>
-            <a:endParaRPr sz="1800">
-              <a:solidFill>
-                <a:schemeClr val="dk1"/>
-              </a:solidFill>
-            </a:endParaRPr>
-          </a:p>
-          <a:p>
-            <a:pPr indent="0" lvl="0" marL="1371600" rtl="0" algn="l">
-              <a:spcBef>
-                <a:spcPts val="0"/>
-              </a:spcBef>
-              <a:spcAft>
-                <a:spcPts val="0"/>
-              </a:spcAft>
-              <a:buNone/>
-            </a:pPr>
-            <a:r>
-              <a:rPr lang="en" sz="1800">
-                <a:solidFill>
-                  <a:schemeClr val="dk1"/>
-                </a:solidFill>
-              </a:rPr>
-              <a:t>     “1” : No Abnormal Conditions. </a:t>
-            </a:r>
-            <a:endParaRPr sz="1800">
-              <a:solidFill>
-                <a:schemeClr val="dk1"/>
-              </a:solidFill>
-            </a:endParaRPr>
-          </a:p>
-        </p:txBody>
-      </p:sp>
     </p:spTree>
   </p:cSld>
   <p:clrMapOvr>
@@ -7034,54 +7018,41 @@
             </a:pPr>
             <a:r>
               <a:rPr lang="en"/>
-              <a:t>1→</a:t>
+              <a:t>FEATURES CHANGE :   </a:t>
             </a:r>
             <a:r>
-              <a:rPr lang="en"/>
-              <a:t>0 FEATURES CHANGE : </a:t>
+              <a:rPr lang="en" sz="2244"/>
+              <a:t>0→1 ( Abnormal -&gt; Normal) </a:t>
+            </a:r>
+            <a:endParaRPr sz="2244"/>
+          </a:p>
+          <a:p>
+            <a:pPr indent="0" lvl="0" marL="0" rtl="0" algn="l">
+              <a:spcBef>
+                <a:spcPts val="0"/>
+              </a:spcBef>
+              <a:spcAft>
+                <a:spcPts val="0"/>
+              </a:spcAft>
+              <a:buNone/>
+            </a:pPr>
+            <a:r>
+              <a:t/>
             </a:r>
             <a:endParaRPr/>
           </a:p>
         </p:txBody>
       </p:sp>
-      <p:pic>
-        <p:nvPicPr>
-          <p:cNvPr id="122" name="Google Shape;122;p23"/>
-          <p:cNvPicPr preferRelativeResize="0"/>
-          <p:nvPr/>
-        </p:nvPicPr>
-        <p:blipFill>
-          <a:blip r:embed="rId3">
-            <a:alphaModFix/>
-          </a:blip>
-          <a:stretch>
-            <a:fillRect/>
-          </a:stretch>
-        </p:blipFill>
-        <p:spPr>
-          <a:xfrm>
-            <a:off x="655050" y="560525"/>
-            <a:ext cx="7905274" cy="2926076"/>
-          </a:xfrm>
-          <a:prstGeom prst="rect">
-            <a:avLst/>
-          </a:prstGeom>
-          <a:noFill/>
-          <a:ln>
-            <a:noFill/>
-          </a:ln>
-        </p:spPr>
-      </p:pic>
       <p:sp>
         <p:nvSpPr>
-          <p:cNvPr id="123" name="Google Shape;123;p23"/>
+          <p:cNvPr id="122" name="Google Shape;122;p23"/>
           <p:cNvSpPr txBox="1"/>
           <p:nvPr/>
         </p:nvSpPr>
         <p:spPr>
           <a:xfrm>
-            <a:off x="292550" y="3790775"/>
-            <a:ext cx="9080100" cy="612000"/>
+            <a:off x="749750" y="4019375"/>
+            <a:ext cx="8851500" cy="612000"/>
           </a:xfrm>
           <a:prstGeom prst="rect">
             <a:avLst/>
@@ -7116,7 +7087,7 @@
                   <a:schemeClr val="dk1"/>
                 </a:solidFill>
               </a:rPr>
-              <a:t>If there is Assisted Ventilation(Immediately) then “No Abnormal delivery”. ( Pred=0) </a:t>
+              <a:t>Month Prenatal Care Began should be increased or upto 79.3.  </a:t>
             </a:r>
             <a:endParaRPr sz="1800">
               <a:solidFill>
@@ -7144,15 +7115,7 @@
                   <a:schemeClr val="dk1"/>
                 </a:solidFill>
               </a:rPr>
-              <a:t>If there is Admission to NICU is “YES” then “</a:t>
-            </a:r>
-            <a:r>
-              <a:rPr lang="en" sz="1800">
-                <a:solidFill>
-                  <a:schemeClr val="dk1"/>
-                </a:solidFill>
-              </a:rPr>
-              <a:t>No Abnormal delivery”.(Pred=0)</a:t>
+              <a:t>Body Mass Index should be increased &gt; 26.69. </a:t>
             </a:r>
             <a:endParaRPr sz="1800">
               <a:solidFill>
@@ -7180,35 +7143,7 @@
                   <a:schemeClr val="dk1"/>
                 </a:solidFill>
               </a:rPr>
-              <a:t>“NO. of Prenatal Visits Increased from (0-&gt; 71.3) ”, </a:t>
-            </a:r>
-            <a:endParaRPr sz="1800">
-              <a:solidFill>
-                <a:schemeClr val="dk1"/>
-              </a:solidFill>
-            </a:endParaRPr>
-          </a:p>
-          <a:p>
-            <a:pPr indent="-342900" lvl="0" marL="457200" rtl="0" algn="l">
-              <a:spcBef>
-                <a:spcPts val="0"/>
-              </a:spcBef>
-              <a:spcAft>
-                <a:spcPts val="0"/>
-              </a:spcAft>
-              <a:buClr>
-                <a:schemeClr val="dk1"/>
-              </a:buClr>
-              <a:buSzPts val="1800"/>
-              <a:buAutoNum type="arabicParenR"/>
-            </a:pPr>
-            <a:r>
-              <a:rPr lang="en" sz="1800">
-                <a:solidFill>
-                  <a:schemeClr val="dk1"/>
-                </a:solidFill>
-              </a:rPr>
-              <a:t>“Weight Gain” increased from ( 10.0 -&gt; 27.3 ). </a:t>
+              <a:t>Infant Transferred_U = 1.0, should be done. </a:t>
             </a:r>
             <a:endParaRPr sz="1800">
               <a:solidFill>
@@ -7239,14 +7174,14 @@
       </p:sp>
       <p:sp>
         <p:nvSpPr>
-          <p:cNvPr id="124" name="Google Shape;124;p23"/>
+          <p:cNvPr id="123" name="Google Shape;123;p23"/>
           <p:cNvSpPr txBox="1"/>
           <p:nvPr/>
         </p:nvSpPr>
         <p:spPr>
           <a:xfrm>
-            <a:off x="155100" y="3461900"/>
-            <a:ext cx="3352800" cy="383700"/>
+            <a:off x="464100" y="3641700"/>
+            <a:ext cx="8603700" cy="383700"/>
           </a:xfrm>
           <a:prstGeom prst="rect">
             <a:avLst/>
@@ -7277,7 +7212,23 @@
                   <a:schemeClr val="dk1"/>
                 </a:solidFill>
               </a:rPr>
-              <a:t>Features Change : </a:t>
+              <a:t>Conclusion: </a:t>
+            </a:r>
+            <a:r>
+              <a:rPr lang="en" sz="1800">
+                <a:solidFill>
+                  <a:schemeClr val="dk1"/>
+                </a:solidFill>
+              </a:rPr>
+              <a:t>Below </a:t>
+            </a:r>
+            <a:r>
+              <a:rPr lang="en" sz="1800">
+                <a:solidFill>
+                  <a:schemeClr val="dk1"/>
+                </a:solidFill>
+              </a:rPr>
+              <a:t>Features need to be consider to get “Normal conditions”.  </a:t>
             </a:r>
             <a:endParaRPr sz="1800">
               <a:solidFill>
@@ -7287,6 +7238,34 @@
           </a:p>
         </p:txBody>
       </p:sp>
+      <p:pic>
+        <p:nvPicPr>
+          <p:cNvPr id="124" name="Google Shape;124;p23"/>
+          <p:cNvPicPr preferRelativeResize="0"/>
+          <p:nvPr/>
+        </p:nvPicPr>
+        <p:blipFill>
+          <a:blip r:embed="rId3">
+            <a:alphaModFix/>
+          </a:blip>
+          <a:stretch>
+            <a:fillRect/>
+          </a:stretch>
+        </p:blipFill>
+        <p:spPr>
+          <a:xfrm>
+            <a:off x="575550" y="636725"/>
+            <a:ext cx="7966500" cy="2825175"/>
+          </a:xfrm>
+          <a:prstGeom prst="rect">
+            <a:avLst/>
+          </a:prstGeom>
+          <a:noFill/>
+          <a:ln>
+            <a:noFill/>
+          </a:ln>
+        </p:spPr>
+      </p:pic>
     </p:spTree>
   </p:cSld>
   <p:clrMapOvr>
@@ -7322,7 +7301,7 @@
         </p:nvSpPr>
         <p:spPr>
           <a:xfrm>
-            <a:off x="311700" y="140225"/>
+            <a:off x="311700" y="64025"/>
             <a:ext cx="8520600" cy="572700"/>
           </a:xfrm>
           <a:prstGeom prst="rect">
@@ -7361,7 +7340,7 @@
         <p:spPr>
           <a:xfrm>
             <a:off x="520750" y="636200"/>
-            <a:ext cx="5317200" cy="310500"/>
+            <a:ext cx="7966500" cy="310500"/>
           </a:xfrm>
           <a:prstGeom prst="rect">
             <a:avLst/>
@@ -7396,7 +7375,7 @@
                   <a:schemeClr val="dk1"/>
                 </a:solidFill>
               </a:rPr>
-              <a:t>0</a:t>
+              <a:t>CLASS CHANGE :  </a:t>
             </a:r>
             <a:r>
               <a:rPr lang="en" sz="1800">
@@ -7404,7 +7383,117 @@
                   <a:schemeClr val="dk1"/>
                 </a:solidFill>
               </a:rPr>
-              <a:t> —&gt; 1 CLASS CHANGE </a:t>
+              <a:t>1 ( Normal Cond. ) —&gt; 0 ( AbNormal Cond. )</a:t>
+            </a:r>
+            <a:endParaRPr sz="1800">
+              <a:solidFill>
+                <a:schemeClr val="dk1"/>
+              </a:solidFill>
+            </a:endParaRPr>
+          </a:p>
+        </p:txBody>
+      </p:sp>
+      <p:pic>
+        <p:nvPicPr>
+          <p:cNvPr id="131" name="Google Shape;131;p24"/>
+          <p:cNvPicPr preferRelativeResize="0"/>
+          <p:nvPr/>
+        </p:nvPicPr>
+        <p:blipFill>
+          <a:blip r:embed="rId3">
+            <a:alphaModFix/>
+          </a:blip>
+          <a:stretch>
+            <a:fillRect/>
+          </a:stretch>
+        </p:blipFill>
+        <p:spPr>
+          <a:xfrm>
+            <a:off x="658925" y="1522775"/>
+            <a:ext cx="7828299" cy="3033125"/>
+          </a:xfrm>
+          <a:prstGeom prst="rect">
+            <a:avLst/>
+          </a:prstGeom>
+          <a:noFill/>
+          <a:ln>
+            <a:noFill/>
+          </a:ln>
+        </p:spPr>
+      </p:pic>
+      <p:sp>
+        <p:nvSpPr>
+          <p:cNvPr id="132" name="Google Shape;132;p24"/>
+          <p:cNvSpPr txBox="1"/>
+          <p:nvPr/>
+        </p:nvSpPr>
+        <p:spPr>
+          <a:xfrm>
+            <a:off x="694325" y="4525375"/>
+            <a:ext cx="7792800" cy="621300"/>
+          </a:xfrm>
+          <a:prstGeom prst="rect">
+            <a:avLst/>
+          </a:prstGeom>
+          <a:noFill/>
+          <a:ln>
+            <a:noFill/>
+          </a:ln>
+        </p:spPr>
+        <p:txBody>
+          <a:bodyPr anchorCtr="0" anchor="t" bIns="91425" lIns="91425" spcFirstLastPara="1" rIns="91425" wrap="square" tIns="91425">
+            <a:noAutofit/>
+          </a:bodyPr>
+          <a:lstStyle/>
+          <a:p>
+            <a:pPr indent="0" lvl="0" marL="0" rtl="0" algn="l">
+              <a:spcBef>
+                <a:spcPts val="0"/>
+              </a:spcBef>
+              <a:spcAft>
+                <a:spcPts val="0"/>
+              </a:spcAft>
+              <a:buNone/>
+            </a:pPr>
+            <a:r>
+              <a:rPr lang="en" sz="1800">
+                <a:solidFill>
+                  <a:schemeClr val="dk1"/>
+                </a:solidFill>
+              </a:rPr>
+              <a:t>Class </a:t>
+            </a:r>
+            <a:r>
+              <a:rPr lang="en" sz="1800">
+                <a:solidFill>
+                  <a:schemeClr val="dk1"/>
+                </a:solidFill>
+              </a:rPr>
+              <a:t>changes : “1” : Normal Conditions , </a:t>
+            </a:r>
+            <a:endParaRPr sz="1800">
+              <a:solidFill>
+                <a:schemeClr val="dk1"/>
+              </a:solidFill>
+            </a:endParaRPr>
+          </a:p>
+          <a:p>
+            <a:pPr indent="0" lvl="0" marL="1371600" rtl="0" algn="l">
+              <a:spcBef>
+                <a:spcPts val="0"/>
+              </a:spcBef>
+              <a:spcAft>
+                <a:spcPts val="0"/>
+              </a:spcAft>
+              <a:buNone/>
+            </a:pPr>
+            <a:r>
+              <a:rPr lang="en" sz="1800">
+                <a:solidFill>
+                  <a:schemeClr val="dk1"/>
+                </a:solidFill>
+              </a:rPr>
+              <a:t>     “0” : Ab Normal Conditions. </a:t>
             </a:r>
             <a:endParaRPr sz="1800">
               <a:solidFill>
@@ -7416,14 +7505,14 @@
       </p:sp>
       <p:sp>
         <p:nvSpPr>
-          <p:cNvPr id="131" name="Google Shape;131;p24"/>
+          <p:cNvPr id="133" name="Google Shape;133;p24"/>
           <p:cNvSpPr txBox="1"/>
           <p:nvPr/>
         </p:nvSpPr>
         <p:spPr>
           <a:xfrm>
-            <a:off x="520750" y="4120275"/>
-            <a:ext cx="8304600" cy="1078200"/>
+            <a:off x="465925" y="1041500"/>
+            <a:ext cx="8520600" cy="446100"/>
           </a:xfrm>
           <a:prstGeom prst="rect">
             <a:avLst/>
@@ -7454,7 +7543,23 @@
                   <a:schemeClr val="dk1"/>
                 </a:solidFill>
               </a:rPr>
-              <a:t>Class changes : Falling into Class “0” ( No Abnormal Conditions ) ,But we want to predict “1”, Abnormal Conditions. </a:t>
+              <a:t>Now you are falling into Normal cond. But there is </a:t>
+            </a:r>
+            <a:r>
+              <a:rPr lang="en" sz="1800">
+                <a:solidFill>
+                  <a:schemeClr val="dk1"/>
+                </a:solidFill>
+              </a:rPr>
+              <a:t>possibility</a:t>
+            </a:r>
+            <a:r>
+              <a:rPr lang="en" sz="1800">
+                <a:solidFill>
+                  <a:schemeClr val="dk1"/>
+                </a:solidFill>
+              </a:rPr>
+              <a:t> to get Abnormality.</a:t>
             </a:r>
             <a:endParaRPr sz="1800">
               <a:solidFill>
@@ -7464,34 +7569,6 @@
           </a:p>
         </p:txBody>
       </p:sp>
-      <p:pic>
-        <p:nvPicPr>
-          <p:cNvPr id="132" name="Google Shape;132;p24"/>
-          <p:cNvPicPr preferRelativeResize="0"/>
-          <p:nvPr/>
-        </p:nvPicPr>
-        <p:blipFill>
-          <a:blip r:embed="rId3">
-            <a:alphaModFix/>
-          </a:blip>
-          <a:stretch>
-            <a:fillRect/>
-          </a:stretch>
-        </p:blipFill>
-        <p:spPr>
-          <a:xfrm>
-            <a:off x="639625" y="1178525"/>
-            <a:ext cx="7875025" cy="2941750"/>
-          </a:xfrm>
-          <a:prstGeom prst="rect">
-            <a:avLst/>
-          </a:prstGeom>
-          <a:noFill/>
-          <a:ln>
-            <a:noFill/>
-          </a:ln>
-        </p:spPr>
-      </p:pic>
     </p:spTree>
   </p:cSld>
   <p:clrMapOvr>
@@ -7505,7 +7582,7 @@
   <p:cSld>
     <p:spTree>
       <p:nvGrpSpPr>
-        <p:cNvPr id="136" name="Shape 136"/>
+        <p:cNvPr id="137" name="Shape 137"/>
         <p:cNvGrpSpPr/>
         <p:nvPr/>
       </p:nvGrpSpPr>
@@ -7519,7 +7596,7 @@
       </p:grpSpPr>
       <p:sp>
         <p:nvSpPr>
-          <p:cNvPr id="137" name="Google Shape;137;p25"/>
+          <p:cNvPr id="138" name="Google Shape;138;p25"/>
           <p:cNvSpPr txBox="1"/>
           <p:nvPr>
             <p:ph type="title"/>
@@ -7551,26 +7628,54 @@
             </a:pPr>
             <a:r>
               <a:rPr lang="en"/>
-              <a:t>0</a:t>
+              <a:t>FEATURES CHANGE : </a:t>
             </a:r>
             <a:r>
-              <a:rPr lang="en"/>
-              <a:t>→1 FEATURES CHANGE : </a:t>
+              <a:rPr lang="en" sz="2022"/>
+              <a:t>1 ( Normal Cond )→0 ( Ab Normal Cond ). </a:t>
             </a:r>
-            <a:endParaRPr/>
+            <a:endParaRPr sz="2022"/>
           </a:p>
         </p:txBody>
       </p:sp>
+      <p:pic>
+        <p:nvPicPr>
+          <p:cNvPr id="139" name="Google Shape;139;p25"/>
+          <p:cNvPicPr preferRelativeResize="0"/>
+          <p:nvPr/>
+        </p:nvPicPr>
+        <p:blipFill>
+          <a:blip r:embed="rId3">
+            <a:alphaModFix/>
+          </a:blip>
+          <a:stretch>
+            <a:fillRect/>
+          </a:stretch>
+        </p:blipFill>
+        <p:spPr>
+          <a:xfrm>
+            <a:off x="655050" y="560525"/>
+            <a:ext cx="7905274" cy="2926076"/>
+          </a:xfrm>
+          <a:prstGeom prst="rect">
+            <a:avLst/>
+          </a:prstGeom>
+          <a:noFill/>
+          <a:ln>
+            <a:noFill/>
+          </a:ln>
+        </p:spPr>
+      </p:pic>
       <p:sp>
         <p:nvSpPr>
-          <p:cNvPr id="138" name="Google Shape;138;p25"/>
+          <p:cNvPr id="140" name="Google Shape;140;p25"/>
           <p:cNvSpPr txBox="1"/>
           <p:nvPr/>
         </p:nvSpPr>
         <p:spPr>
           <a:xfrm>
-            <a:off x="749750" y="4019375"/>
-            <a:ext cx="8851500" cy="612000"/>
+            <a:off x="673550" y="3866975"/>
+            <a:ext cx="8520600" cy="612000"/>
           </a:xfrm>
           <a:prstGeom prst="rect">
             <a:avLst/>
@@ -7605,7 +7710,7 @@
                   <a:schemeClr val="dk1"/>
                 </a:solidFill>
               </a:rPr>
-              <a:t>Month Prenatal Care Began should not increased from 2.0 –&gt;79.3, </a:t>
+              <a:t>“NO. of Prenatal Visits Increased at least &lt; 71.3,  </a:t>
             </a:r>
             <a:endParaRPr sz="1800">
               <a:solidFill>
@@ -7633,7 +7738,7 @@
                   <a:schemeClr val="dk1"/>
                 </a:solidFill>
               </a:rPr>
-              <a:t>Body Mass Index should not be increased &gt; 26.8 </a:t>
+              <a:t>“Weight Gain” is to increased ( &lt; 27.3 ). </a:t>
             </a:r>
             <a:endParaRPr sz="1800">
               <a:solidFill>
@@ -7661,15 +7766,35 @@
                   <a:schemeClr val="dk1"/>
                 </a:solidFill>
               </a:rPr>
-              <a:t>If T</a:t>
+              <a:t>If there is No Assisted Ventilation (Immediately).  </a:t>
             </a:r>
+            <a:endParaRPr sz="1800">
+              <a:solidFill>
+                <a:schemeClr val="dk1"/>
+              </a:solidFill>
+            </a:endParaRPr>
+          </a:p>
+          <a:p>
+            <a:pPr indent="-342900" lvl="0" marL="457200" rtl="0" algn="l">
+              <a:spcBef>
+                <a:spcPts val="0"/>
+              </a:spcBef>
+              <a:spcAft>
+                <a:spcPts val="0"/>
+              </a:spcAft>
+              <a:buClr>
+                <a:schemeClr val="dk1"/>
+              </a:buClr>
+              <a:buSzPts val="1800"/>
+              <a:buAutoNum type="arabicParenR"/>
+            </a:pPr>
             <a:r>
               <a:rPr lang="en" sz="1800">
                 <a:solidFill>
                   <a:schemeClr val="dk1"/>
                 </a:solidFill>
               </a:rPr>
-              <a:t>here is no Infant Transferred_U = 0.0.  </a:t>
+              <a:t>If there is No Admission to NICU. </a:t>
             </a:r>
             <a:endParaRPr sz="1800">
               <a:solidFill>
@@ -7700,14 +7825,14 @@
       </p:sp>
       <p:sp>
         <p:nvSpPr>
-          <p:cNvPr id="139" name="Google Shape;139;p25"/>
+          <p:cNvPr id="141" name="Google Shape;141;p25"/>
           <p:cNvSpPr txBox="1"/>
           <p:nvPr/>
         </p:nvSpPr>
         <p:spPr>
           <a:xfrm>
-            <a:off x="790800" y="3641700"/>
-            <a:ext cx="8277000" cy="383700"/>
+            <a:off x="612300" y="3461900"/>
+            <a:ext cx="8706600" cy="383700"/>
           </a:xfrm>
           <a:prstGeom prst="rect">
             <a:avLst/>
@@ -7738,15 +7863,7 @@
                   <a:schemeClr val="dk1"/>
                 </a:solidFill>
               </a:rPr>
-              <a:t>If below </a:t>
-            </a:r>
-            <a:r>
-              <a:rPr lang="en" sz="1800">
-                <a:solidFill>
-                  <a:schemeClr val="dk1"/>
-                </a:solidFill>
-              </a:rPr>
-              <a:t>Features then Abnormal conditions : </a:t>
+              <a:t>Features Change you will fall into Abnormal Condition, if </a:t>
             </a:r>
             <a:endParaRPr sz="1800">
               <a:solidFill>
@@ -7756,34 +7873,6 @@
           </a:p>
         </p:txBody>
       </p:sp>
-      <p:pic>
-        <p:nvPicPr>
-          <p:cNvPr id="140" name="Google Shape;140;p25"/>
-          <p:cNvPicPr preferRelativeResize="0"/>
-          <p:nvPr/>
-        </p:nvPicPr>
-        <p:blipFill>
-          <a:blip r:embed="rId3">
-            <a:alphaModFix/>
-          </a:blip>
-          <a:stretch>
-            <a:fillRect/>
-          </a:stretch>
-        </p:blipFill>
-        <p:spPr>
-          <a:xfrm>
-            <a:off x="575550" y="636725"/>
-            <a:ext cx="7966500" cy="2825175"/>
-          </a:xfrm>
-          <a:prstGeom prst="rect">
-            <a:avLst/>
-          </a:prstGeom>
-          <a:noFill/>
-          <a:ln>
-            <a:noFill/>
-          </a:ln>
-        </p:spPr>
-      </p:pic>
     </p:spTree>
   </p:cSld>
   <p:clrMapOvr>
@@ -8136,7 +8225,7 @@
                   <a:schemeClr val="dk1"/>
                 </a:solidFill>
               </a:rPr>
-              <a:t>61 Input Columns, 1 Output column as “Condition”</a:t>
+              <a:t>61 Input Columns, 1 Output column as “Conditions”</a:t>
             </a:r>
             <a:endParaRPr>
               <a:solidFill>
@@ -8160,7 +8249,7 @@
                   <a:schemeClr val="dk1"/>
                 </a:solidFill>
               </a:rPr>
-              <a:t>Condition= ”0” means “No Abnormal Conditions” </a:t>
+              <a:t>Condition= ”1” means “No Abnormal Conditions” </a:t>
             </a:r>
             <a:endParaRPr>
               <a:solidFill>
@@ -8184,7 +8273,7 @@
                   <a:schemeClr val="dk1"/>
                 </a:solidFill>
               </a:rPr>
-              <a:t>Condition= ”1” means “Abnormal Conditions”.</a:t>
+              <a:t>Condition= ”0” means “Abnormal Conditions”.</a:t>
             </a:r>
             <a:endParaRPr>
               <a:solidFill>
@@ -8424,7 +8513,7 @@
                   <a:schemeClr val="dk1"/>
                 </a:solidFill>
               </a:rPr>
-              <a:t>0 : No Abnormal Condition.</a:t>
+              <a:t>1 : No Abnormal Condition.</a:t>
             </a:r>
             <a:endParaRPr sz="1800">
               <a:solidFill>
@@ -8448,7 +8537,7 @@
                   <a:schemeClr val="dk1"/>
                 </a:solidFill>
               </a:rPr>
-              <a:t>1 : Abnormal Condition.</a:t>
+              <a:t>0 : Abnormal Condition.</a:t>
             </a:r>
             <a:endParaRPr sz="1800">
               <a:solidFill>
@@ -8734,7 +8823,7 @@
                   <a:schemeClr val="dk1"/>
                 </a:solidFill>
               </a:rPr>
-              <a:t>Numeric Values Changes during the CounterFactual Generations to Flip the class.</a:t>
+              <a:t>Numeric Values Changes during the CounterFactual Generations which Flip the class.</a:t>
             </a:r>
             <a:endParaRPr sz="1800">
               <a:solidFill>
@@ -8830,7 +8919,7 @@
         <p:spPr>
           <a:xfrm>
             <a:off x="685200" y="484325"/>
-            <a:ext cx="7902526" cy="3535249"/>
+            <a:ext cx="7902526" cy="3434975"/>
           </a:xfrm>
           <a:prstGeom prst="rect">
             <a:avLst/>
@@ -8849,7 +8938,7 @@
         </p:nvSpPr>
         <p:spPr>
           <a:xfrm>
-            <a:off x="694250" y="4162650"/>
+            <a:off x="532763" y="3879850"/>
             <a:ext cx="7902600" cy="572700"/>
           </a:xfrm>
           <a:prstGeom prst="rect">
@@ -8866,48 +8955,56 @@
           </a:bodyPr>
           <a:lstStyle/>
           <a:p>
-            <a:pPr indent="0" lvl="0" marL="0" rtl="0" algn="l">
-              <a:spcBef>
-                <a:spcPts val="0"/>
-              </a:spcBef>
-              <a:spcAft>
-                <a:spcPts val="0"/>
-              </a:spcAft>
-              <a:buNone/>
+            <a:pPr indent="-323850" lvl="0" marL="457200" rtl="0" algn="l">
+              <a:spcBef>
+                <a:spcPts val="0"/>
+              </a:spcBef>
+              <a:spcAft>
+                <a:spcPts val="0"/>
+              </a:spcAft>
+              <a:buClr>
+                <a:schemeClr val="dk1"/>
+              </a:buClr>
+              <a:buSzPts val="1500"/>
+              <a:buChar char="●"/>
             </a:pPr>
             <a:r>
-              <a:rPr lang="en" sz="1800">
+              <a:rPr lang="en" sz="1500">
                 <a:solidFill>
                   <a:schemeClr val="dk1"/>
                 </a:solidFill>
               </a:rPr>
-              <a:t>Top 5 Important Features contributing the Flipping the Class.</a:t>
+              <a:t>Top 5 Important Features = ( “Admission to NICU_Y”, “Assisted Ventilation”, “Five Minute APGAR Score”,”Anti-Biotics for NewBorn ”, “Combined Gestations”.  ) </a:t>
             </a:r>
-            <a:endParaRPr sz="1800">
+            <a:endParaRPr sz="1500">
               <a:solidFill>
                 <a:schemeClr val="dk1"/>
               </a:solidFill>
             </a:endParaRPr>
           </a:p>
           <a:p>
-            <a:pPr indent="0" lvl="0" marL="0" rtl="0" algn="l">
-              <a:spcBef>
-                <a:spcPts val="0"/>
-              </a:spcBef>
-              <a:spcAft>
-                <a:spcPts val="0"/>
-              </a:spcAft>
-              <a:buNone/>
+            <a:pPr indent="-323850" lvl="0" marL="457200" rtl="0" algn="l">
+              <a:spcBef>
+                <a:spcPts val="0"/>
+              </a:spcBef>
+              <a:spcAft>
+                <a:spcPts val="0"/>
+              </a:spcAft>
+              <a:buClr>
+                <a:schemeClr val="dk1"/>
+              </a:buClr>
+              <a:buSzPts val="1500"/>
+              <a:buChar char="●"/>
             </a:pPr>
             <a:r>
-              <a:rPr lang="en" sz="1800">
+              <a:rPr lang="en" sz="1500">
                 <a:solidFill>
                   <a:schemeClr val="dk1"/>
                 </a:solidFill>
               </a:rPr>
-              <a:t>“Admission to NICU_Y”, “Assisted Ventilation”, “Five Minute APGAR Score”,”Anti-Biotics for NewBorn ”, “Combined Gestations”.  </a:t>
+              <a:t>Blue &amp; Red occupy half of the Horizontal means that each feature has an equal impact on the classification of both No Abnormal Cond (label=1) and Normal Cond. (label=0) cases.</a:t>
             </a:r>
-            <a:endParaRPr sz="1800">
+            <a:endParaRPr sz="1500">
               <a:solidFill>
                 <a:schemeClr val="dk1"/>
               </a:solidFill>
@@ -9052,7 +9149,7 @@
                   <a:schemeClr val="dk1"/>
                 </a:solidFill>
               </a:rPr>
-              <a:t>Top 5 Important Features contributing the Flipping the Class.</a:t>
+              <a:t>Top 3 Important Features and their values of importance for that class. </a:t>
             </a:r>
             <a:endParaRPr sz="1800">
               <a:solidFill>
@@ -9182,7 +9279,7 @@
           </a:bodyPr>
           <a:lstStyle/>
           <a:p>
-            <a:pPr indent="0" lvl="0" marL="0" rtl="0" algn="l">
+            <a:pPr indent="457200" lvl="0" marL="0" rtl="0" algn="l">
               <a:spcBef>
                 <a:spcPts val="0"/>
               </a:spcBef>
@@ -9272,7 +9369,7 @@
                   <a:schemeClr val="dk1"/>
                 </a:solidFill>
               </a:rPr>
-              <a:t>“Admission to NICU_Y”, “Assisted Ventilation (immediately)”, Antibiotics for Newborn_Y are most contributing/important features as per “Local interpretation”.</a:t>
+              <a:t>“Admission to NICU_Y”, “Assisted Ventilation (immediately)”, Antibiotics for Newborn_Y are most contributing/important features as per “Local interpretation”. ( Every features contributing +ve values towards class 1 ).</a:t>
             </a:r>
             <a:endParaRPr sz="1800">
               <a:solidFill>
@@ -9291,6 +9388,285 @@
 </file>
 
 <file path=ppt/theme/theme1.xml><?xml version="1.0" encoding="utf-8"?>
+<a:theme xmlns:a="http://schemas.openxmlformats.org/drawingml/2006/main" xmlns:r="http://schemas.openxmlformats.org/officeDocument/2006/relationships">
+  <a:themeElements>
+    <a:clrScheme name="Default">
+      <a:dk1>
+        <a:srgbClr val="000000"/>
+      </a:dk1>
+      <a:lt1>
+        <a:srgbClr val="FFFFFF"/>
+      </a:lt1>
+      <a:dk2>
+        <a:srgbClr val="158158"/>
+      </a:dk2>
+      <a:lt2>
+        <a:srgbClr val="F3F3F3"/>
+      </a:lt2>
+      <a:accent1>
+        <a:srgbClr val="058DC7"/>
+      </a:accent1>
+      <a:accent2>
+        <a:srgbClr val="50B432"/>
+      </a:accent2>
+      <a:accent3>
+        <a:srgbClr val="ED561B"/>
+      </a:accent3>
+      <a:accent4>
+        <a:srgbClr val="EDEF00"/>
+      </a:accent4>
+      <a:accent5>
+        <a:srgbClr val="24CBE5"/>
+      </a:accent5>
+      <a:accent6>
+        <a:srgbClr val="64E572"/>
+      </a:accent6>
+      <a:hlink>
+        <a:srgbClr val="2200CC"/>
+      </a:hlink>
+      <a:folHlink>
+        <a:srgbClr val="551A8B"/>
+      </a:folHlink>
+    </a:clrScheme>
+    <a:fontScheme name="Office">
+      <a:majorFont>
+        <a:latin typeface="Arial"/>
+        <a:ea typeface=""/>
+        <a:cs typeface=""/>
+        <a:font script="Jpan" typeface="ＭＳ Ｐゴシック"/>
+        <a:font script="Hang" typeface="맑은 고딕"/>
+        <a:font script="Hans" typeface="宋体"/>
+        <a:font script="Hant" typeface="新細明體"/>
+        <a:font script="Arab" typeface="Times New Roman"/>
+        <a:font script="Hebr" typeface="Times New Roman"/>
+        <a:font script="Thai" typeface="Angsana New"/>
+        <a:font script="Ethi" typeface="Nyala"/>
+        <a:font script="Beng" typeface="Vrinda"/>
+        <a:font script="Gujr" typeface="Shruti"/>
+        <a:font script="Khmr" typeface="MoolBoran"/>
+        <a:font script="Knda" typeface="Tunga"/>
+        <a:font script="Guru" typeface="Raavi"/>
+        <a:font script="Cans" typeface="Euphemia"/>
+        <a:font script="Cher" typeface="Plantagenet Cherokee"/>
+        <a:font script="Yiii" typeface="Microsoft Yi Baiti"/>
+        <a:font script="Tibt" typeface="Microsoft Himalaya"/>
+        <a:font script="Thaa" typeface="MV Boli"/>
+        <a:font script="Deva" typeface="Mangal"/>
+        <a:font script="Telu" typeface="Gautami"/>
+        <a:font script="Taml" typeface="Latha"/>
+        <a:font script="Syrc" typeface="Estrangelo Edessa"/>
+        <a:font script="Orya" typeface="Kalinga"/>
+        <a:font script="Mlym" typeface="Kartika"/>
+        <a:font script="Laoo" typeface="DokChampa"/>
+        <a:font script="Sinh" typeface="Iskoola Pota"/>
+        <a:font script="Mong" typeface="Mongolian Baiti"/>
+        <a:font script="Viet" typeface="Times New Roman"/>
+        <a:font script="Uigh" typeface="Microsoft Uighur"/>
+        <a:font script="Geor" typeface="Sylfaen"/>
+      </a:majorFont>
+      <a:minorFont>
+        <a:latin typeface="Arial"/>
+        <a:ea typeface=""/>
+        <a:cs typeface=""/>
+        <a:font script="Jpan" typeface="ＭＳ Ｐゴシック"/>
+        <a:font script="Hang" typeface="맑은 고딕"/>
+        <a:font script="Hans" typeface="宋体"/>
+        <a:font script="Hant" typeface="新細明體"/>
+        <a:font script="Arab" typeface="Arial"/>
+        <a:font script="Hebr" typeface="Arial"/>
+        <a:font script="Thai" typeface="Cordia New"/>
+        <a:font script="Ethi" typeface="Nyala"/>
+        <a:font script="Beng" typeface="Vrinda"/>
+        <a:font script="Gujr" typeface="Shruti"/>
+        <a:font script="Khmr" typeface="DaunPenh"/>
+        <a:font script="Knda" typeface="Tunga"/>
+        <a:font script="Guru" typeface="Raavi"/>
+        <a:font script="Cans" typeface="Euphemia"/>
+        <a:font script="Cher" typeface="Plantagenet Cherokee"/>
+        <a:font script="Yiii" typeface="Microsoft Yi Baiti"/>
+        <a:font script="Tibt" typeface="Microsoft Himalaya"/>
+        <a:font script="Thaa" typeface="MV Boli"/>
+        <a:font script="Deva" typeface="Mangal"/>
+        <a:font script="Telu" typeface="Gautami"/>
+        <a:font script="Taml" typeface="Latha"/>
+        <a:font script="Syrc" typeface="Estrangelo Edessa"/>
+        <a:font script="Orya" typeface="Kalinga"/>
+        <a:font script="Mlym" typeface="Kartika"/>
+        <a:font script="Laoo" typeface="DokChampa"/>
+        <a:font script="Sinh" typeface="Iskoola Pota"/>
+        <a:font script="Mong" typeface="Mongolian Baiti"/>
+        <a:font script="Viet" typeface="Arial"/>
+        <a:font script="Uigh" typeface="Microsoft Uighur"/>
+        <a:font script="Geor" typeface="Sylfaen"/>
+      </a:minorFont>
+    </a:fontScheme>
+    <a:fmtScheme name="Office">
+      <a:fillStyleLst>
+        <a:solidFill>
+          <a:schemeClr val="phClr"/>
+        </a:solidFill>
+        <a:gradFill rotWithShape="1">
+          <a:gsLst>
+            <a:gs pos="0">
+              <a:schemeClr val="phClr">
+                <a:tint val="50000"/>
+                <a:satMod val="300000"/>
+              </a:schemeClr>
+            </a:gs>
+            <a:gs pos="35000">
+              <a:schemeClr val="phClr">
+                <a:tint val="37000"/>
+                <a:satMod val="300000"/>
+              </a:schemeClr>
+            </a:gs>
+            <a:gs pos="100000">
+              <a:schemeClr val="phClr">
+                <a:tint val="15000"/>
+                <a:satMod val="350000"/>
+              </a:schemeClr>
+            </a:gs>
+          </a:gsLst>
+          <a:lin ang="16200000" scaled="1"/>
+        </a:gradFill>
+        <a:gradFill rotWithShape="1">
+          <a:gsLst>
+            <a:gs pos="0">
+              <a:schemeClr val="phClr">
+                <a:tint val="100000"/>
+                <a:shade val="100000"/>
+                <a:satMod val="130000"/>
+              </a:schemeClr>
+            </a:gs>
+            <a:gs pos="100000">
+              <a:schemeClr val="phClr">
+                <a:tint val="50000"/>
+                <a:shade val="100000"/>
+                <a:satMod val="350000"/>
+              </a:schemeClr>
+            </a:gs>
+          </a:gsLst>
+          <a:lin ang="16200000" scaled="0"/>
+        </a:gradFill>
+      </a:fillStyleLst>
+      <a:lnStyleLst>
+        <a:ln w="9525" cap="flat" cmpd="sng" algn="ctr">
+          <a:solidFill>
+            <a:schemeClr val="phClr">
+              <a:shade val="95000"/>
+              <a:satMod val="105000"/>
+            </a:schemeClr>
+          </a:solidFill>
+          <a:prstDash val="solid"/>
+        </a:ln>
+        <a:ln w="25400" cap="flat" cmpd="sng" algn="ctr">
+          <a:solidFill>
+            <a:schemeClr val="phClr"/>
+          </a:solidFill>
+          <a:prstDash val="solid"/>
+        </a:ln>
+        <a:ln w="38100" cap="flat" cmpd="sng" algn="ctr">
+          <a:solidFill>
+            <a:schemeClr val="phClr"/>
+          </a:solidFill>
+          <a:prstDash val="solid"/>
+        </a:ln>
+      </a:lnStyleLst>
+      <a:effectStyleLst>
+        <a:effectStyle>
+          <a:effectLst>
+            <a:outerShdw blurRad="40000" dist="20000" dir="5400000" rotWithShape="0">
+              <a:srgbClr val="000000">
+                <a:alpha val="38000"/>
+              </a:srgbClr>
+            </a:outerShdw>
+          </a:effectLst>
+        </a:effectStyle>
+        <a:effectStyle>
+          <a:effectLst>
+            <a:outerShdw blurRad="40000" dist="23000" dir="5400000" rotWithShape="0">
+              <a:srgbClr val="000000">
+                <a:alpha val="35000"/>
+              </a:srgbClr>
+            </a:outerShdw>
+          </a:effectLst>
+        </a:effectStyle>
+        <a:effectStyle>
+          <a:effectLst>
+            <a:outerShdw blurRad="40000" dist="23000" dir="5400000" rotWithShape="0">
+              <a:srgbClr val="000000">
+                <a:alpha val="35000"/>
+              </a:srgbClr>
+            </a:outerShdw>
+          </a:effectLst>
+          <a:scene3d>
+            <a:camera prst="orthographicFront">
+              <a:rot lat="0" lon="0" rev="0"/>
+            </a:camera>
+            <a:lightRig rig="threePt" dir="t">
+              <a:rot lat="0" lon="0" rev="1200000"/>
+            </a:lightRig>
+          </a:scene3d>
+          <a:sp3d>
+            <a:bevelT w="63500" h="25400"/>
+          </a:sp3d>
+        </a:effectStyle>
+      </a:effectStyleLst>
+      <a:bgFillStyleLst>
+        <a:solidFill>
+          <a:schemeClr val="phClr"/>
+        </a:solidFill>
+        <a:gradFill rotWithShape="1">
+          <a:gsLst>
+            <a:gs pos="0">
+              <a:schemeClr val="phClr">
+                <a:tint val="40000"/>
+                <a:satMod val="350000"/>
+              </a:schemeClr>
+            </a:gs>
+            <a:gs pos="40000">
+              <a:schemeClr val="phClr">
+                <a:tint val="45000"/>
+                <a:shade val="99000"/>
+                <a:satMod val="350000"/>
+              </a:schemeClr>
+            </a:gs>
+            <a:gs pos="100000">
+              <a:schemeClr val="phClr">
+                <a:shade val="20000"/>
+                <a:satMod val="255000"/>
+              </a:schemeClr>
+            </a:gs>
+          </a:gsLst>
+          <a:path path="circle">
+            <a:fillToRect l="50000" t="-80000" r="50000" b="180000"/>
+          </a:path>
+        </a:gradFill>
+        <a:gradFill rotWithShape="1">
+          <a:gsLst>
+            <a:gs pos="0">
+              <a:schemeClr val="phClr">
+                <a:tint val="80000"/>
+                <a:satMod val="300000"/>
+              </a:schemeClr>
+            </a:gs>
+            <a:gs pos="100000">
+              <a:schemeClr val="phClr">
+                <a:shade val="30000"/>
+                <a:satMod val="200000"/>
+              </a:schemeClr>
+            </a:gs>
+          </a:gsLst>
+          <a:path path="circle">
+            <a:fillToRect l="50000" t="50000" r="50000" b="50000"/>
+          </a:path>
+        </a:gradFill>
+      </a:bgFillStyleLst>
+    </a:fmtScheme>
+  </a:themeElements>
+</a:theme>
+</file>
+
+<file path=ppt/theme/theme2.xml><?xml version="1.0" encoding="utf-8"?>
 <a:theme xmlns:a="http://schemas.openxmlformats.org/drawingml/2006/main" xmlns:r="http://schemas.openxmlformats.org/officeDocument/2006/relationships" name="Simple Light">
   <a:themeElements>
     <a:clrScheme name="Simple Light">
@@ -9567,283 +9943,4 @@
     </a:fmtScheme>
   </a:themeElements>
 </a:theme>
-</file>
-
-<file path=ppt/theme/theme2.xml><?xml version="1.0" encoding="utf-8"?>
-<a:theme xmlns:a="http://schemas.openxmlformats.org/drawingml/2006/main" xmlns:r="http://schemas.openxmlformats.org/officeDocument/2006/relationships">
-  <a:themeElements>
-    <a:clrScheme name="Default">
-      <a:dk1>
-        <a:srgbClr val="000000"/>
-      </a:dk1>
-      <a:lt1>
-        <a:srgbClr val="FFFFFF"/>
-      </a:lt1>
-      <a:dk2>
-        <a:srgbClr val="158158"/>
-      </a:dk2>
-      <a:lt2>
-        <a:srgbClr val="F3F3F3"/>
-      </a:lt2>
-      <a:accent1>
-        <a:srgbClr val="058DC7"/>
-      </a:accent1>
-      <a:accent2>
-        <a:srgbClr val="50B432"/>
-      </a:accent2>
-      <a:accent3>
-        <a:srgbClr val="ED561B"/>
-      </a:accent3>
-      <a:accent4>
-        <a:srgbClr val="EDEF00"/>
-      </a:accent4>
-      <a:accent5>
-        <a:srgbClr val="24CBE5"/>
-      </a:accent5>
-      <a:accent6>
-        <a:srgbClr val="64E572"/>
-      </a:accent6>
-      <a:hlink>
-        <a:srgbClr val="2200CC"/>
-      </a:hlink>
-      <a:folHlink>
-        <a:srgbClr val="551A8B"/>
-      </a:folHlink>
-    </a:clrScheme>
-    <a:fontScheme name="Office">
-      <a:majorFont>
-        <a:latin typeface="Arial"/>
-        <a:ea typeface=""/>
-        <a:cs typeface=""/>
-        <a:font script="Jpan" typeface="ＭＳ Ｐゴシック"/>
-        <a:font script="Hang" typeface="맑은 고딕"/>
-        <a:font script="Hans" typeface="宋体"/>
-        <a:font script="Hant" typeface="新細明體"/>
-        <a:font script="Arab" typeface="Times New Roman"/>
-        <a:font script="Hebr" typeface="Times New Roman"/>
-        <a:font script="Thai" typeface="Angsana New"/>
-        <a:font script="Ethi" typeface="Nyala"/>
-        <a:font script="Beng" typeface="Vrinda"/>
-        <a:font script="Gujr" typeface="Shruti"/>
-        <a:font script="Khmr" typeface="MoolBoran"/>
-        <a:font script="Knda" typeface="Tunga"/>
-        <a:font script="Guru" typeface="Raavi"/>
-        <a:font script="Cans" typeface="Euphemia"/>
-        <a:font script="Cher" typeface="Plantagenet Cherokee"/>
-        <a:font script="Yiii" typeface="Microsoft Yi Baiti"/>
-        <a:font script="Tibt" typeface="Microsoft Himalaya"/>
-        <a:font script="Thaa" typeface="MV Boli"/>
-        <a:font script="Deva" typeface="Mangal"/>
-        <a:font script="Telu" typeface="Gautami"/>
-        <a:font script="Taml" typeface="Latha"/>
-        <a:font script="Syrc" typeface="Estrangelo Edessa"/>
-        <a:font script="Orya" typeface="Kalinga"/>
-        <a:font script="Mlym" typeface="Kartika"/>
-        <a:font script="Laoo" typeface="DokChampa"/>
-        <a:font script="Sinh" typeface="Iskoola Pota"/>
-        <a:font script="Mong" typeface="Mongolian Baiti"/>
-        <a:font script="Viet" typeface="Times New Roman"/>
-        <a:font script="Uigh" typeface="Microsoft Uighur"/>
-        <a:font script="Geor" typeface="Sylfaen"/>
-      </a:majorFont>
-      <a:minorFont>
-        <a:latin typeface="Arial"/>
-        <a:ea typeface=""/>
-        <a:cs typeface=""/>
-        <a:font script="Jpan" typeface="ＭＳ Ｐゴシック"/>
-        <a:font script="Hang" typeface="맑은 고딕"/>
-        <a:font script="Hans" typeface="宋体"/>
-        <a:font script="Hant" typeface="新細明體"/>
-        <a:font script="Arab" typeface="Arial"/>
-        <a:font script="Hebr" typeface="Arial"/>
-        <a:font script="Thai" typeface="Cordia New"/>
-        <a:font script="Ethi" typeface="Nyala"/>
-        <a:font script="Beng" typeface="Vrinda"/>
-        <a:font script="Gujr" typeface="Shruti"/>
-        <a:font script="Khmr" typeface="DaunPenh"/>
-        <a:font script="Knda" typeface="Tunga"/>
-        <a:font script="Guru" typeface="Raavi"/>
-        <a:font script="Cans" typeface="Euphemia"/>
-        <a:font script="Cher" typeface="Plantagenet Cherokee"/>
-        <a:font script="Yiii" typeface="Microsoft Yi Baiti"/>
-        <a:font script="Tibt" typeface="Microsoft Himalaya"/>
-        <a:font script="Thaa" typeface="MV Boli"/>
-        <a:font script="Deva" typeface="Mangal"/>
-        <a:font script="Telu" typeface="Gautami"/>
-        <a:font script="Taml" typeface="Latha"/>
-        <a:font script="Syrc" typeface="Estrangelo Edessa"/>
-        <a:font script="Orya" typeface="Kalinga"/>
-        <a:font script="Mlym" typeface="Kartika"/>
-        <a:font script="Laoo" typeface="DokChampa"/>
-        <a:font script="Sinh" typeface="Iskoola Pota"/>
-        <a:font script="Mong" typeface="Mongolian Baiti"/>
-        <a:font script="Viet" typeface="Arial"/>
-        <a:font script="Uigh" typeface="Microsoft Uighur"/>
-        <a:font script="Geor" typeface="Sylfaen"/>
-      </a:minorFont>
-    </a:fontScheme>
-    <a:fmtScheme name="Office">
-      <a:fillStyleLst>
-        <a:solidFill>
-          <a:schemeClr val="phClr"/>
-        </a:solidFill>
-        <a:gradFill rotWithShape="1">
-          <a:gsLst>
-            <a:gs pos="0">
-              <a:schemeClr val="phClr">
-                <a:tint val="50000"/>
-                <a:satMod val="300000"/>
-              </a:schemeClr>
-            </a:gs>
-            <a:gs pos="35000">
-              <a:schemeClr val="phClr">
-                <a:tint val="37000"/>
-                <a:satMod val="300000"/>
-              </a:schemeClr>
-            </a:gs>
-            <a:gs pos="100000">
-              <a:schemeClr val="phClr">
-                <a:tint val="15000"/>
-                <a:satMod val="350000"/>
-              </a:schemeClr>
-            </a:gs>
-          </a:gsLst>
-          <a:lin ang="16200000" scaled="1"/>
-        </a:gradFill>
-        <a:gradFill rotWithShape="1">
-          <a:gsLst>
-            <a:gs pos="0">
-              <a:schemeClr val="phClr">
-                <a:tint val="100000"/>
-                <a:shade val="100000"/>
-                <a:satMod val="130000"/>
-              </a:schemeClr>
-            </a:gs>
-            <a:gs pos="100000">
-              <a:schemeClr val="phClr">
-                <a:tint val="50000"/>
-                <a:shade val="100000"/>
-                <a:satMod val="350000"/>
-              </a:schemeClr>
-            </a:gs>
-          </a:gsLst>
-          <a:lin ang="16200000" scaled="0"/>
-        </a:gradFill>
-      </a:fillStyleLst>
-      <a:lnStyleLst>
-        <a:ln w="9525" cap="flat" cmpd="sng" algn="ctr">
-          <a:solidFill>
-            <a:schemeClr val="phClr">
-              <a:shade val="95000"/>
-              <a:satMod val="105000"/>
-            </a:schemeClr>
-          </a:solidFill>
-          <a:prstDash val="solid"/>
-        </a:ln>
-        <a:ln w="25400" cap="flat" cmpd="sng" algn="ctr">
-          <a:solidFill>
-            <a:schemeClr val="phClr"/>
-          </a:solidFill>
-          <a:prstDash val="solid"/>
-        </a:ln>
-        <a:ln w="38100" cap="flat" cmpd="sng" algn="ctr">
-          <a:solidFill>
-            <a:schemeClr val="phClr"/>
-          </a:solidFill>
-          <a:prstDash val="solid"/>
-        </a:ln>
-      </a:lnStyleLst>
-      <a:effectStyleLst>
-        <a:effectStyle>
-          <a:effectLst>
-            <a:outerShdw blurRad="40000" dist="20000" dir="5400000" rotWithShape="0">
-              <a:srgbClr val="000000">
-                <a:alpha val="38000"/>
-              </a:srgbClr>
-            </a:outerShdw>
-          </a:effectLst>
-        </a:effectStyle>
-        <a:effectStyle>
-          <a:effectLst>
-            <a:outerShdw blurRad="40000" dist="23000" dir="5400000" rotWithShape="0">
-              <a:srgbClr val="000000">
-                <a:alpha val="35000"/>
-              </a:srgbClr>
-            </a:outerShdw>
-          </a:effectLst>
-        </a:effectStyle>
-        <a:effectStyle>
-          <a:effectLst>
-            <a:outerShdw blurRad="40000" dist="23000" dir="5400000" rotWithShape="0">
-              <a:srgbClr val="000000">
-                <a:alpha val="35000"/>
-              </a:srgbClr>
-            </a:outerShdw>
-          </a:effectLst>
-          <a:scene3d>
-            <a:camera prst="orthographicFront">
-              <a:rot lat="0" lon="0" rev="0"/>
-            </a:camera>
-            <a:lightRig rig="threePt" dir="t">
-              <a:rot lat="0" lon="0" rev="1200000"/>
-            </a:lightRig>
-          </a:scene3d>
-          <a:sp3d>
-            <a:bevelT w="63500" h="25400"/>
-          </a:sp3d>
-        </a:effectStyle>
-      </a:effectStyleLst>
-      <a:bgFillStyleLst>
-        <a:solidFill>
-          <a:schemeClr val="phClr"/>
-        </a:solidFill>
-        <a:gradFill rotWithShape="1">
-          <a:gsLst>
-            <a:gs pos="0">
-              <a:schemeClr val="phClr">
-                <a:tint val="40000"/>
-                <a:satMod val="350000"/>
-              </a:schemeClr>
-            </a:gs>
-            <a:gs pos="40000">
-              <a:schemeClr val="phClr">
-                <a:tint val="45000"/>
-                <a:shade val="99000"/>
-                <a:satMod val="350000"/>
-              </a:schemeClr>
-            </a:gs>
-            <a:gs pos="100000">
-              <a:schemeClr val="phClr">
-                <a:shade val="20000"/>
-                <a:satMod val="255000"/>
-              </a:schemeClr>
-            </a:gs>
-          </a:gsLst>
-          <a:path path="circle">
-            <a:fillToRect l="50000" t="-80000" r="50000" b="180000"/>
-          </a:path>
-        </a:gradFill>
-        <a:gradFill rotWithShape="1">
-          <a:gsLst>
-            <a:gs pos="0">
-              <a:schemeClr val="phClr">
-                <a:tint val="80000"/>
-                <a:satMod val="300000"/>
-              </a:schemeClr>
-            </a:gs>
-            <a:gs pos="100000">
-              <a:schemeClr val="phClr">
-                <a:shade val="30000"/>
-                <a:satMod val="200000"/>
-              </a:schemeClr>
-            </a:gs>
-          </a:gsLst>
-          <a:path path="circle">
-            <a:fillToRect l="50000" t="50000" r="50000" b="50000"/>
-          </a:path>
-        </a:gradFill>
-      </a:bgFillStyleLst>
-    </a:fmtScheme>
-  </a:themeElements>
-</a:theme>
 </file>